--- a/Final Project Diagrams.pptx
+++ b/Final Project Diagrams.pptx
@@ -210,7 +210,7 @@
           <a:p>
             <a:fld id="{42EA98E5-4B06-4A38-98A5-80C0E489BBEA}" type="datetimeFigureOut">
               <a:rPr lang="en-US" smtClean="0"/>
-              <a:t>6/15/2020</a:t>
+              <a:t>6/16/2020</a:t>
             </a:fld>
             <a:endParaRPr lang="en-US"/>
           </a:p>
@@ -2884,7 +2884,7 @@
                 </a:uFill>
               </a:rPr>
               <a:pPr/>
-              <a:t>6/15/2020</a:t>
+              <a:t>6/16/2020</a:t>
             </a:fld>
             <a:endParaRPr lang="en-US" sz="1200" spc="-1">
               <a:solidFill>
@@ -3532,8 +3532,8 @@
         </p:nvSpPr>
         <p:spPr>
           <a:xfrm>
-            <a:off x="3926306" y="3118565"/>
-            <a:ext cx="251791" cy="230832"/>
+            <a:off x="3572194" y="3142715"/>
+            <a:ext cx="605903" cy="230832"/>
           </a:xfrm>
           <a:prstGeom prst="rect">
             <a:avLst/>
@@ -3548,7 +3548,7 @@
           <a:p>
             <a:r>
               <a:rPr lang="en-US" sz="900" dirty="0"/>
-              <a:t>1</a:t>
+              <a:t>Many</a:t>
             </a:r>
           </a:p>
         </p:txBody>
